--- a/Obsidian Vault/Assets/试用期转正述职模板2025.pptx
+++ b/Obsidian Vault/Assets/试用期转正述职模板2025.pptx
@@ -140,7 +140,7 @@
     </p:ext>
     <p:ext uri="{EFAFB233-063F-42B5-8137-9DF3F51BA10A}">
       <p15:sldGuideLst xmlns:p15="http://schemas.microsoft.com/office/powerpoint/2012/main">
-        <p15:guide id="1" orient="horz" pos="2131" userDrawn="1">
+        <p15:guide id="1" orient="horz" pos="2163" userDrawn="1">
           <p15:clr>
             <a:srgbClr val="A4A3A4"/>
           </p15:clr>
@@ -6310,26 +6310,34 @@
         <p:nvGrpSpPr>
           <p:cNvPr id="9" name="Group 23"/>
           <p:cNvGrpSpPr/>
-          <p:nvPr/>
+          <p:nvPr>
+            <p:custDataLst>
+              <p:tags r:id="rId3"/>
+            </p:custDataLst>
+          </p:nvPr>
         </p:nvGrpSpPr>
         <p:grpSpPr>
           <a:xfrm>
             <a:off x="2370844" y="1946221"/>
-            <a:ext cx="2945803" cy="809719"/>
+            <a:ext cx="2945803" cy="1269910"/>
             <a:chOff x="7865633" y="1946221"/>
-            <a:chExt cx="2945803" cy="809719"/>
+            <a:chExt cx="2945803" cy="1269910"/>
           </a:xfrm>
         </p:grpSpPr>
         <p:sp>
           <p:nvSpPr>
             <p:cNvPr id="10" name="TextBox 13"/>
             <p:cNvSpPr txBox="1"/>
-            <p:nvPr/>
+            <p:nvPr>
+              <p:custDataLst>
+                <p:tags r:id="rId4"/>
+              </p:custDataLst>
+            </p:nvPr>
           </p:nvSpPr>
           <p:spPr>
             <a:xfrm>
               <a:off x="7865634" y="2461116"/>
-              <a:ext cx="2945802" cy="294824"/>
+              <a:ext cx="2945802" cy="755015"/>
             </a:xfrm>
             <a:prstGeom prst="rect">
               <a:avLst/>
@@ -6348,20 +6356,12 @@
                 </a:lnSpc>
               </a:pPr>
               <a:r>
-                <a:rPr lang="zh-CN" altLang="en-US" sz="1200" dirty="0">
-                  <a:latin typeface="Playfair Display" charset="0"/>
-                  <a:ea typeface="Playfair Display" charset="0"/>
-                  <a:cs typeface="Playfair Display" charset="0"/>
-                </a:rPr>
-                <a:t>学习</a:t>
-              </a:r>
-              <a:r>
                 <a:rPr lang="en-US" altLang="zh-CN" sz="1200" dirty="0">
                   <a:latin typeface="Playfair Display" charset="0"/>
                   <a:ea typeface="Playfair Display" charset="0"/>
                   <a:cs typeface="Playfair Display" charset="0"/>
                 </a:rPr>
-                <a:t>/</a:t>
+                <a:t>1. </a:t>
               </a:r>
               <a:r>
                 <a:rPr lang="zh-CN" altLang="en-US" sz="1200" dirty="0">
@@ -6369,7 +6369,79 @@
                   <a:ea typeface="Playfair Display" charset="0"/>
                   <a:cs typeface="Playfair Display" charset="0"/>
                 </a:rPr>
-                <a:t>掌握技能。。。</a:t>
+                <a:t>项目的基本</a:t>
+              </a:r>
+              <a:r>
+                <a:rPr lang="zh-CN" altLang="en-US" sz="1200" dirty="0">
+                  <a:latin typeface="Playfair Display" charset="0"/>
+                  <a:ea typeface="Playfair Display" charset="0"/>
+                  <a:cs typeface="Playfair Display" charset="0"/>
+                </a:rPr>
+                <a:t>情况</a:t>
+              </a:r>
+              <a:endParaRPr lang="zh-CN" altLang="en-US" sz="1200" dirty="0">
+                <a:latin typeface="Playfair Display" charset="0"/>
+                <a:ea typeface="Playfair Display" charset="0"/>
+                <a:cs typeface="Playfair Display" charset="0"/>
+              </a:endParaRPr>
+            </a:p>
+            <a:p>
+              <a:pPr>
+                <a:lnSpc>
+                  <a:spcPct val="120000"/>
+                </a:lnSpc>
+              </a:pPr>
+              <a:r>
+                <a:rPr lang="en-US" altLang="zh-CN" sz="1200" dirty="0">
+                  <a:latin typeface="Playfair Display" charset="0"/>
+                  <a:ea typeface="Playfair Display" charset="0"/>
+                  <a:cs typeface="Playfair Display" charset="0"/>
+                </a:rPr>
+                <a:t>2. </a:t>
+              </a:r>
+              <a:r>
+                <a:rPr lang="zh-CN" altLang="en-US" sz="1200" dirty="0">
+                  <a:latin typeface="Playfair Display" charset="0"/>
+                  <a:ea typeface="Playfair Display" charset="0"/>
+                  <a:cs typeface="Playfair Display" charset="0"/>
+                </a:rPr>
+                <a:t>开发的</a:t>
+              </a:r>
+              <a:r>
+                <a:rPr lang="zh-CN" altLang="en-US" sz="1200" dirty="0">
+                  <a:latin typeface="Playfair Display" charset="0"/>
+                  <a:ea typeface="Playfair Display" charset="0"/>
+                  <a:cs typeface="Playfair Display" charset="0"/>
+                </a:rPr>
+                <a:t>基本流程</a:t>
+              </a:r>
+              <a:endParaRPr lang="zh-CN" altLang="en-US" sz="1200" dirty="0">
+                <a:latin typeface="Playfair Display" charset="0"/>
+                <a:ea typeface="Playfair Display" charset="0"/>
+                <a:cs typeface="Playfair Display" charset="0"/>
+              </a:endParaRPr>
+            </a:p>
+            <a:p>
+              <a:pPr>
+                <a:lnSpc>
+                  <a:spcPct val="120000"/>
+                </a:lnSpc>
+              </a:pPr>
+              <a:r>
+                <a:rPr lang="en-US" altLang="zh-CN" sz="1200" dirty="0">
+                  <a:latin typeface="Playfair Display" charset="0"/>
+                  <a:ea typeface="Playfair Display" charset="0"/>
+                  <a:cs typeface="Playfair Display" charset="0"/>
+                </a:rPr>
+                <a:t>3. python</a:t>
+              </a:r>
+              <a:r>
+                <a:rPr lang="zh-CN" altLang="en-US" sz="1200" dirty="0">
+                  <a:latin typeface="Playfair Display" charset="0"/>
+                  <a:ea typeface="Playfair Display" charset="0"/>
+                  <a:cs typeface="Playfair Display" charset="0"/>
+                </a:rPr>
+                <a:t>基础</a:t>
               </a:r>
               <a:endParaRPr lang="zh-CN" altLang="en-US" sz="1200" dirty="0">
                 <a:latin typeface="Playfair Display" charset="0"/>
@@ -6383,7 +6455,11 @@
           <p:nvSpPr>
             <p:cNvPr id="11" name="Title 4"/>
             <p:cNvSpPr txBox="1"/>
-            <p:nvPr/>
+            <p:nvPr>
+              <p:custDataLst>
+                <p:tags r:id="rId5"/>
+              </p:custDataLst>
+            </p:nvPr>
           </p:nvSpPr>
           <p:spPr>
             <a:xfrm>
@@ -6418,10 +6494,10 @@
             <a:p>
               <a:pPr algn="l"/>
               <a:r>
-                <a:rPr lang="zh-CN" altLang="en-US" sz="2000" dirty="0" smtClean="0"/>
-                <a:t>节点一</a:t>
+                <a:rPr lang="zh-CN" altLang="en-US" sz="2000" dirty="0"/>
+                <a:t>前两周</a:t>
               </a:r>
-              <a:endParaRPr lang="en-US" sz="2000" dirty="0"/>
+              <a:endParaRPr lang="zh-CN" altLang="en-US" sz="2000" dirty="0"/>
             </a:p>
           </p:txBody>
         </p:sp>
@@ -6429,7 +6505,11 @@
           <p:nvCxnSpPr>
             <p:cNvPr id="12" name="Straight Connector 15"/>
             <p:cNvCxnSpPr/>
-            <p:nvPr/>
+            <p:nvPr>
+              <p:custDataLst>
+                <p:tags r:id="rId6"/>
+              </p:custDataLst>
+            </p:nvPr>
           </p:nvCxnSpPr>
           <p:spPr>
             <a:xfrm>
@@ -6467,7 +6547,11 @@
         <p:nvGrpSpPr>
           <p:cNvPr id="13" name="Group 19"/>
           <p:cNvGrpSpPr/>
-          <p:nvPr/>
+          <p:nvPr>
+            <p:custDataLst>
+              <p:tags r:id="rId7"/>
+            </p:custDataLst>
+          </p:nvPr>
         </p:nvGrpSpPr>
         <p:grpSpPr>
           <a:xfrm>
@@ -6481,7 +6565,11 @@
           <p:nvSpPr>
             <p:cNvPr id="14" name="Oval 16"/>
             <p:cNvSpPr/>
-            <p:nvPr/>
+            <p:nvPr>
+              <p:custDataLst>
+                <p:tags r:id="rId8"/>
+              </p:custDataLst>
+            </p:nvPr>
           </p:nvSpPr>
           <p:spPr>
             <a:xfrm>
@@ -6527,7 +6615,11 @@
           <p:nvSpPr>
             <p:cNvPr id="15" name="Oval 17"/>
             <p:cNvSpPr/>
-            <p:nvPr/>
+            <p:nvPr>
+              <p:custDataLst>
+                <p:tags r:id="rId9"/>
+              </p:custDataLst>
+            </p:nvPr>
           </p:nvSpPr>
           <p:spPr>
             <a:xfrm>
@@ -6574,7 +6666,11 @@
         <p:nvGrpSpPr>
           <p:cNvPr id="17" name="Group 20"/>
           <p:cNvGrpSpPr/>
-          <p:nvPr/>
+          <p:nvPr>
+            <p:custDataLst>
+              <p:tags r:id="rId10"/>
+            </p:custDataLst>
+          </p:nvPr>
         </p:nvGrpSpPr>
         <p:grpSpPr>
           <a:xfrm>
@@ -6588,7 +6684,11 @@
           <p:nvSpPr>
             <p:cNvPr id="18" name="Oval 21"/>
             <p:cNvSpPr/>
-            <p:nvPr/>
+            <p:nvPr>
+              <p:custDataLst>
+                <p:tags r:id="rId11"/>
+              </p:custDataLst>
+            </p:nvPr>
           </p:nvSpPr>
           <p:spPr>
             <a:xfrm>
@@ -6634,7 +6734,11 @@
           <p:nvSpPr>
             <p:cNvPr id="19" name="Oval 22"/>
             <p:cNvSpPr/>
-            <p:nvPr/>
+            <p:nvPr>
+              <p:custDataLst>
+                <p:tags r:id="rId12"/>
+              </p:custDataLst>
+            </p:nvPr>
           </p:nvSpPr>
           <p:spPr>
             <a:xfrm>
@@ -6681,26 +6785,34 @@
         <p:nvGrpSpPr>
           <p:cNvPr id="20" name="Group 24"/>
           <p:cNvGrpSpPr/>
-          <p:nvPr/>
+          <p:nvPr>
+            <p:custDataLst>
+              <p:tags r:id="rId13"/>
+            </p:custDataLst>
+          </p:nvPr>
         </p:nvGrpSpPr>
         <p:grpSpPr>
           <a:xfrm>
             <a:off x="2370844" y="3361069"/>
-            <a:ext cx="2945803" cy="809719"/>
+            <a:ext cx="2945803" cy="1048295"/>
             <a:chOff x="7865633" y="1946221"/>
-            <a:chExt cx="2945803" cy="809719"/>
+            <a:chExt cx="2945803" cy="1048295"/>
           </a:xfrm>
         </p:grpSpPr>
         <p:sp>
           <p:nvSpPr>
             <p:cNvPr id="21" name="TextBox 25"/>
             <p:cNvSpPr txBox="1"/>
-            <p:nvPr/>
+            <p:nvPr>
+              <p:custDataLst>
+                <p:tags r:id="rId14"/>
+              </p:custDataLst>
+            </p:nvPr>
           </p:nvSpPr>
           <p:spPr>
             <a:xfrm>
               <a:off x="7865634" y="2461116"/>
-              <a:ext cx="2945802" cy="294824"/>
+              <a:ext cx="2945802" cy="533400"/>
             </a:xfrm>
             <a:prstGeom prst="rect">
               <a:avLst/>
@@ -6719,12 +6831,20 @@
                 </a:lnSpc>
               </a:pPr>
               <a:r>
+                <a:rPr lang="en-US" altLang="zh-CN" sz="1200" dirty="0">
+                  <a:latin typeface="Playfair Display" charset="0"/>
+                  <a:ea typeface="Playfair Display" charset="0"/>
+                  <a:cs typeface="Playfair Display" charset="0"/>
+                </a:rPr>
+                <a:t>1. </a:t>
+              </a:r>
+              <a:r>
                 <a:rPr lang="zh-CN" altLang="en-US" sz="1200" dirty="0">
                   <a:latin typeface="Playfair Display" charset="0"/>
                   <a:ea typeface="Playfair Display" charset="0"/>
                   <a:cs typeface="Playfair Display" charset="0"/>
                 </a:rPr>
-                <a:t>学习</a:t>
+                <a:t>各种</a:t>
               </a:r>
               <a:r>
                 <a:rPr lang="en-US" altLang="zh-CN" sz="1200" dirty="0">
@@ -6732,7 +6852,7 @@
                   <a:ea typeface="Playfair Display" charset="0"/>
                   <a:cs typeface="Playfair Display" charset="0"/>
                 </a:rPr>
-                <a:t>/</a:t>
+                <a:t>UI</a:t>
               </a:r>
               <a:r>
                 <a:rPr lang="zh-CN" altLang="en-US" sz="1200" dirty="0">
@@ -6740,7 +6860,43 @@
                   <a:ea typeface="Playfair Display" charset="0"/>
                   <a:cs typeface="Playfair Display" charset="0"/>
                 </a:rPr>
-                <a:t>掌握技能。。。</a:t>
+                <a:t>效果的实现</a:t>
+              </a:r>
+              <a:r>
+                <a:rPr lang="zh-CN" altLang="en-US" sz="1200" dirty="0">
+                  <a:latin typeface="Playfair Display" charset="0"/>
+                  <a:ea typeface="Playfair Display" charset="0"/>
+                  <a:cs typeface="Playfair Display" charset="0"/>
+                </a:rPr>
+                <a:t>逻辑</a:t>
+              </a:r>
+              <a:endParaRPr lang="zh-CN" altLang="en-US" sz="1200" dirty="0">
+                <a:latin typeface="Playfair Display" charset="0"/>
+                <a:ea typeface="Playfair Display" charset="0"/>
+                <a:cs typeface="Playfair Display" charset="0"/>
+              </a:endParaRPr>
+            </a:p>
+            <a:p>
+              <a:pPr>
+                <a:lnSpc>
+                  <a:spcPct val="120000"/>
+                </a:lnSpc>
+              </a:pPr>
+              <a:r>
+                <a:rPr lang="en-US" altLang="zh-CN" sz="1200" dirty="0">
+                  <a:latin typeface="Playfair Display" charset="0"/>
+                  <a:ea typeface="Playfair Display" charset="0"/>
+                  <a:cs typeface="Playfair Display" charset="0"/>
+                </a:rPr>
+                <a:t>2. </a:t>
+              </a:r>
+              <a:r>
+                <a:rPr lang="zh-CN" altLang="en-US" sz="1200" dirty="0">
+                  <a:latin typeface="Playfair Display" charset="0"/>
+                  <a:ea typeface="Playfair Display" charset="0"/>
+                  <a:cs typeface="Playfair Display" charset="0"/>
+                </a:rPr>
+                <a:t>游戏中定位问题的方法</a:t>
               </a:r>
               <a:endParaRPr lang="zh-CN" altLang="en-US" sz="1200" dirty="0">
                 <a:latin typeface="Playfair Display" charset="0"/>
@@ -6754,7 +6910,11 @@
           <p:nvSpPr>
             <p:cNvPr id="22" name="Title 4"/>
             <p:cNvSpPr txBox="1"/>
-            <p:nvPr/>
+            <p:nvPr>
+              <p:custDataLst>
+                <p:tags r:id="rId15"/>
+              </p:custDataLst>
+            </p:nvPr>
           </p:nvSpPr>
           <p:spPr>
             <a:xfrm>
@@ -6789,10 +6949,10 @@
             <a:p>
               <a:pPr algn="l"/>
               <a:r>
-                <a:rPr lang="zh-CN" altLang="en-US" sz="2000" dirty="0" smtClean="0"/>
-                <a:t>节点二</a:t>
+                <a:rPr lang="zh-CN" altLang="en-US" sz="2000" dirty="0"/>
+                <a:t>一个月</a:t>
               </a:r>
-              <a:endParaRPr lang="en-US" sz="2000" dirty="0"/>
+              <a:endParaRPr lang="zh-CN" altLang="en-US" sz="2000" dirty="0"/>
             </a:p>
           </p:txBody>
         </p:sp>
@@ -6800,7 +6960,11 @@
           <p:nvCxnSpPr>
             <p:cNvPr id="23" name="Straight Connector 27"/>
             <p:cNvCxnSpPr/>
-            <p:nvPr/>
+            <p:nvPr>
+              <p:custDataLst>
+                <p:tags r:id="rId16"/>
+              </p:custDataLst>
+            </p:nvPr>
           </p:nvCxnSpPr>
           <p:spPr>
             <a:xfrm>
@@ -6838,26 +7002,34 @@
         <p:nvGrpSpPr>
           <p:cNvPr id="24" name="Group 28"/>
           <p:cNvGrpSpPr/>
-          <p:nvPr/>
+          <p:nvPr>
+            <p:custDataLst>
+              <p:tags r:id="rId17"/>
+            </p:custDataLst>
+          </p:nvPr>
         </p:nvGrpSpPr>
         <p:grpSpPr>
           <a:xfrm>
             <a:off x="2370844" y="4775917"/>
-            <a:ext cx="2945803" cy="809656"/>
+            <a:ext cx="3491230" cy="1048385"/>
             <a:chOff x="7865633" y="1946221"/>
-            <a:chExt cx="2945803" cy="809656"/>
+            <a:chExt cx="3491230" cy="1048385"/>
           </a:xfrm>
         </p:grpSpPr>
         <p:sp>
           <p:nvSpPr>
             <p:cNvPr id="25" name="TextBox 29"/>
             <p:cNvSpPr txBox="1"/>
-            <p:nvPr/>
+            <p:nvPr>
+              <p:custDataLst>
+                <p:tags r:id="rId18"/>
+              </p:custDataLst>
+            </p:nvPr>
           </p:nvSpPr>
           <p:spPr>
             <a:xfrm>
-              <a:off x="7865634" y="2461116"/>
-              <a:ext cx="2945802" cy="294761"/>
+              <a:off x="7865633" y="2461206"/>
+              <a:ext cx="3491230" cy="533400"/>
             </a:xfrm>
             <a:prstGeom prst="rect">
               <a:avLst/>
@@ -6876,28 +7048,64 @@
                 </a:lnSpc>
               </a:pPr>
               <a:r>
-                <a:rPr lang="zh-CN" altLang="en-US" sz="1200" dirty="0" smtClean="0">
+                <a:rPr lang="en-US" altLang="zh-CN" sz="1200" dirty="0">
                   <a:latin typeface="Playfair Display" charset="0"/>
                   <a:ea typeface="Playfair Display" charset="0"/>
                   <a:cs typeface="Playfair Display" charset="0"/>
                 </a:rPr>
-                <a:t>学习</a:t>
+                <a:t>1. </a:t>
               </a:r>
               <a:r>
-                <a:rPr lang="en-US" altLang="zh-CN" sz="1200" dirty="0" smtClean="0">
+                <a:rPr lang="zh-CN" altLang="en-US" sz="1200" dirty="0">
                   <a:latin typeface="Playfair Display" charset="0"/>
                   <a:ea typeface="Playfair Display" charset="0"/>
                   <a:cs typeface="Playfair Display" charset="0"/>
                 </a:rPr>
-                <a:t>/</a:t>
+                <a:t>项目的工作流（制作，维护，分支等</a:t>
               </a:r>
               <a:r>
-                <a:rPr lang="zh-CN" altLang="en-US" sz="1200" dirty="0" smtClean="0">
+                <a:rPr lang="zh-CN" altLang="en-US" sz="1200" dirty="0">
                   <a:latin typeface="Playfair Display" charset="0"/>
                   <a:ea typeface="Playfair Display" charset="0"/>
                   <a:cs typeface="Playfair Display" charset="0"/>
                 </a:rPr>
-                <a:t>掌握技能。。。</a:t>
+                <a:t>概念）</a:t>
+              </a:r>
+              <a:endParaRPr lang="zh-CN" altLang="en-US" sz="1200" dirty="0">
+                <a:latin typeface="Playfair Display" charset="0"/>
+                <a:ea typeface="Playfair Display" charset="0"/>
+                <a:cs typeface="Playfair Display" charset="0"/>
+              </a:endParaRPr>
+            </a:p>
+            <a:p>
+              <a:pPr>
+                <a:lnSpc>
+                  <a:spcPct val="120000"/>
+                </a:lnSpc>
+              </a:pPr>
+              <a:r>
+                <a:rPr lang="en-US" altLang="zh-CN" sz="1200" dirty="0">
+                  <a:latin typeface="Playfair Display" charset="0"/>
+                  <a:ea typeface="Playfair Display" charset="0"/>
+                  <a:cs typeface="Playfair Display" charset="0"/>
+                </a:rPr>
+                <a:t>2. </a:t>
+              </a:r>
+              <a:r>
+                <a:rPr lang="zh-CN" altLang="en-US" sz="1200" dirty="0">
+                  <a:latin typeface="Playfair Display" charset="0"/>
+                  <a:ea typeface="Playfair Display" charset="0"/>
+                  <a:cs typeface="Playfair Display" charset="0"/>
+                </a:rPr>
+                <a:t>各个常用模块的功能（战斗，事件，导表</a:t>
+              </a:r>
+              <a:r>
+                <a:rPr lang="zh-CN" altLang="en-US" sz="1200" dirty="0">
+                  <a:latin typeface="Playfair Display" charset="0"/>
+                  <a:ea typeface="Playfair Display" charset="0"/>
+                  <a:cs typeface="Playfair Display" charset="0"/>
+                </a:rPr>
+                <a:t>等）</a:t>
               </a:r>
               <a:endParaRPr lang="zh-CN" altLang="en-US" sz="1200" dirty="0">
                 <a:latin typeface="Playfair Display" charset="0"/>
@@ -6911,7 +7119,11 @@
           <p:nvSpPr>
             <p:cNvPr id="26" name="Title 4"/>
             <p:cNvSpPr txBox="1"/>
-            <p:nvPr/>
+            <p:nvPr>
+              <p:custDataLst>
+                <p:tags r:id="rId19"/>
+              </p:custDataLst>
+            </p:nvPr>
           </p:nvSpPr>
           <p:spPr>
             <a:xfrm>
@@ -6946,10 +7158,10 @@
             <a:p>
               <a:pPr algn="l"/>
               <a:r>
-                <a:rPr lang="zh-CN" altLang="en-US" sz="2000" dirty="0" smtClean="0"/>
-                <a:t>节点三</a:t>
+                <a:rPr lang="zh-CN" altLang="en-US" sz="2000" dirty="0"/>
+                <a:t>三个月</a:t>
               </a:r>
-              <a:endParaRPr lang="en-US" sz="2000" dirty="0"/>
+              <a:endParaRPr lang="zh-CN" altLang="en-US" sz="2000" dirty="0"/>
             </a:p>
           </p:txBody>
         </p:sp>
@@ -6957,7 +7169,11 @@
           <p:nvCxnSpPr>
             <p:cNvPr id="27" name="Straight Connector 31"/>
             <p:cNvCxnSpPr/>
-            <p:nvPr/>
+            <p:nvPr>
+              <p:custDataLst>
+                <p:tags r:id="rId20"/>
+              </p:custDataLst>
+            </p:nvPr>
           </p:nvCxnSpPr>
           <p:spPr>
             <a:xfrm>
@@ -6995,7 +7211,11 @@
         <p:nvGrpSpPr>
           <p:cNvPr id="28" name="Group 32"/>
           <p:cNvGrpSpPr/>
-          <p:nvPr/>
+          <p:nvPr>
+            <p:custDataLst>
+              <p:tags r:id="rId21"/>
+            </p:custDataLst>
+          </p:nvPr>
         </p:nvGrpSpPr>
         <p:grpSpPr>
           <a:xfrm>
@@ -7009,7 +7229,11 @@
           <p:nvSpPr>
             <p:cNvPr id="29" name="Oval 33"/>
             <p:cNvSpPr/>
-            <p:nvPr/>
+            <p:nvPr>
+              <p:custDataLst>
+                <p:tags r:id="rId22"/>
+              </p:custDataLst>
+            </p:nvPr>
           </p:nvSpPr>
           <p:spPr>
             <a:xfrm>
@@ -7055,7 +7279,11 @@
           <p:nvSpPr>
             <p:cNvPr id="30" name="Oval 34"/>
             <p:cNvSpPr/>
-            <p:nvPr/>
+            <p:nvPr>
+              <p:custDataLst>
+                <p:tags r:id="rId23"/>
+              </p:custDataLst>
+            </p:nvPr>
           </p:nvSpPr>
           <p:spPr>
             <a:xfrm>
@@ -7105,7 +7333,11 @@
             <a:stCxn id="14" idx="4"/>
             <a:endCxn id="18" idx="0"/>
           </p:cNvCxnSpPr>
-          <p:nvPr/>
+          <p:nvPr>
+            <p:custDataLst>
+              <p:tags r:id="rId24"/>
+            </p:custDataLst>
+          </p:nvPr>
         </p:nvCxnSpPr>
         <p:spPr>
           <a:xfrm>
@@ -7143,7 +7375,11 @@
             <a:stCxn id="18" idx="4"/>
             <a:endCxn id="29" idx="0"/>
           </p:cNvCxnSpPr>
-          <p:nvPr/>
+          <p:nvPr>
+            <p:custDataLst>
+              <p:tags r:id="rId25"/>
+            </p:custDataLst>
+          </p:nvPr>
         </p:nvCxnSpPr>
         <p:spPr>
           <a:xfrm>
@@ -7911,7 +8147,11 @@
         <p:nvCxnSpPr>
           <p:cNvPr id="10" name="直接连接符 9"/>
           <p:cNvCxnSpPr/>
-          <p:nvPr/>
+          <p:nvPr>
+            <p:custDataLst>
+              <p:tags r:id="rId3"/>
+            </p:custDataLst>
+          </p:nvPr>
         </p:nvCxnSpPr>
         <p:spPr>
           <a:xfrm>
@@ -7942,7 +8182,11 @@
         <p:nvSpPr>
           <p:cNvPr id="11" name="椭圆 10"/>
           <p:cNvSpPr/>
-          <p:nvPr/>
+          <p:nvPr>
+            <p:custDataLst>
+              <p:tags r:id="rId4"/>
+            </p:custDataLst>
+          </p:nvPr>
         </p:nvSpPr>
         <p:spPr>
           <a:xfrm>
@@ -7992,11 +8236,15 @@
         <p:nvSpPr>
           <p:cNvPr id="12" name="椭圆 11"/>
           <p:cNvSpPr/>
-          <p:nvPr/>
+          <p:nvPr>
+            <p:custDataLst>
+              <p:tags r:id="rId5"/>
+            </p:custDataLst>
+          </p:nvPr>
         </p:nvSpPr>
         <p:spPr>
           <a:xfrm>
-            <a:off x="3850975" y="2085288"/>
+            <a:off x="5150185" y="2085288"/>
             <a:ext cx="1891698" cy="1905021"/>
           </a:xfrm>
           <a:prstGeom prst="ellipse">
@@ -8044,11 +8292,15 @@
         <p:nvSpPr>
           <p:cNvPr id="13" name="椭圆 12"/>
           <p:cNvSpPr/>
-          <p:nvPr/>
+          <p:nvPr>
+            <p:custDataLst>
+              <p:tags r:id="rId6"/>
+            </p:custDataLst>
+          </p:nvPr>
         </p:nvSpPr>
         <p:spPr>
           <a:xfrm>
-            <a:off x="6243228" y="2085285"/>
+            <a:off x="8965473" y="2085285"/>
             <a:ext cx="1891698" cy="1905021"/>
           </a:xfrm>
           <a:prstGeom prst="ellipse">
@@ -8093,64 +8345,18 @@
       </p:sp>
       <p:sp>
         <p:nvSpPr>
-          <p:cNvPr id="14" name="椭圆 13"/>
-          <p:cNvSpPr/>
-          <p:nvPr/>
+          <p:cNvPr id="15" name="文本框 14"/>
+          <p:cNvSpPr txBox="1"/>
+          <p:nvPr>
+            <p:custDataLst>
+              <p:tags r:id="rId7"/>
+            </p:custDataLst>
+          </p:nvPr>
         </p:nvSpPr>
         <p:spPr>
           <a:xfrm>
-            <a:off x="8635481" y="2085288"/>
-            <a:ext cx="1891698" cy="1905021"/>
-          </a:xfrm>
-          <a:prstGeom prst="ellipse">
-            <a:avLst/>
-          </a:prstGeom>
-        </p:spPr>
-        <p:style>
-          <a:lnRef idx="2">
-            <a:schemeClr val="accent1">
-              <a:shade val="50000"/>
-            </a:schemeClr>
-          </a:lnRef>
-          <a:fillRef idx="1">
-            <a:schemeClr val="accent1"/>
-          </a:fillRef>
-          <a:effectRef idx="0">
-            <a:schemeClr val="accent1"/>
-          </a:effectRef>
-          <a:fontRef idx="minor">
-            <a:schemeClr val="lt1"/>
-          </a:fontRef>
-        </p:style>
-        <p:txBody>
-          <a:bodyPr rtlCol="0" anchor="ctr"/>
-          <a:lstStyle/>
-          <a:p>
-            <a:pPr algn="ctr"/>
-            <a:r>
-              <a:rPr lang="zh-CN" altLang="en-US" sz="1800" b="1" dirty="0">
-                <a:latin typeface="微软雅黑" panose="020B0503020204020204" pitchFamily="34" charset="-122"/>
-                <a:ea typeface="微软雅黑" panose="020B0503020204020204" pitchFamily="34" charset="-122"/>
-              </a:rPr>
-              <a:t>分享</a:t>
-            </a:r>
-            <a:endParaRPr lang="zh-CN" altLang="en-US" sz="1800" b="1" dirty="0">
-              <a:latin typeface="微软雅黑" panose="020B0503020204020204" pitchFamily="34" charset="-122"/>
-              <a:ea typeface="微软雅黑" panose="020B0503020204020204" pitchFamily="34" charset="-122"/>
-            </a:endParaRPr>
-          </a:p>
-        </p:txBody>
-      </p:sp>
-      <p:sp>
-        <p:nvSpPr>
-          <p:cNvPr id="15" name="文本框 14"/>
-          <p:cNvSpPr txBox="1"/>
-          <p:nvPr/>
-        </p:nvSpPr>
-        <p:spPr>
-          <a:xfrm>
-            <a:off x="1628193" y="4216129"/>
-            <a:ext cx="1552755" cy="923330"/>
+            <a:off x="1267460" y="4194175"/>
+            <a:ext cx="2273300" cy="1476375"/>
           </a:xfrm>
           <a:prstGeom prst="rect">
             <a:avLst/>
@@ -8175,14 +8381,35 @@
                 <a:latin typeface="微软雅黑" panose="020B0503020204020204" pitchFamily="34" charset="-122"/>
                 <a:ea typeface="微软雅黑" panose="020B0503020204020204" pitchFamily="34" charset="-122"/>
               </a:rPr>
-              <a:t>方向</a:t>
+              <a:t>游戏内的对象创建，应用以及管理。（</a:t>
             </a:r>
             <a:r>
               <a:rPr lang="en-US" altLang="zh-CN" sz="1200" dirty="0" smtClean="0">
                 <a:latin typeface="微软雅黑" panose="020B0503020204020204" pitchFamily="34" charset="-122"/>
                 <a:ea typeface="微软雅黑" panose="020B0503020204020204" pitchFamily="34" charset="-122"/>
               </a:rPr>
-              <a:t>1</a:t>
+              <a:t>EC</a:t>
+            </a:r>
+            <a:r>
+              <a:rPr lang="zh-CN" altLang="en-US" sz="1200" dirty="0" smtClean="0">
+                <a:latin typeface="微软雅黑" panose="020B0503020204020204" pitchFamily="34" charset="-122"/>
+                <a:ea typeface="微软雅黑" panose="020B0503020204020204" pitchFamily="34" charset="-122"/>
+              </a:rPr>
+              <a:t>，</a:t>
+            </a:r>
+            <a:r>
+              <a:rPr lang="en-US" altLang="zh-CN" sz="1200" dirty="0" smtClean="0">
+                <a:latin typeface="微软雅黑" panose="020B0503020204020204" pitchFamily="34" charset="-122"/>
+                <a:ea typeface="微软雅黑" panose="020B0503020204020204" pitchFamily="34" charset="-122"/>
+              </a:rPr>
+              <a:t>C_Object</a:t>
+            </a:r>
+            <a:r>
+              <a:rPr lang="zh-CN" altLang="en-US" sz="1200" dirty="0" smtClean="0">
+                <a:latin typeface="微软雅黑" panose="020B0503020204020204" pitchFamily="34" charset="-122"/>
+                <a:ea typeface="微软雅黑" panose="020B0503020204020204" pitchFamily="34" charset="-122"/>
+              </a:rPr>
+              <a:t>）</a:t>
             </a:r>
             <a:endParaRPr lang="en-US" altLang="zh-CN" sz="1200" dirty="0" smtClean="0">
               <a:latin typeface="微软雅黑" panose="020B0503020204020204" pitchFamily="34" charset="-122"/>
@@ -8198,18 +8425,31 @@
               <a:buChar char="•"/>
             </a:pPr>
             <a:r>
-              <a:rPr lang="zh-CN" altLang="en-US" sz="1200" dirty="0" smtClean="0">
+              <a:rPr lang="zh-CN" altLang="en-US" sz="1200" dirty="0">
                 <a:latin typeface="微软雅黑" panose="020B0503020204020204" pitchFamily="34" charset="-122"/>
                 <a:ea typeface="微软雅黑" panose="020B0503020204020204" pitchFamily="34" charset="-122"/>
               </a:rPr>
-              <a:t>方向</a:t>
-            </a:r>
-            <a:r>
-              <a:rPr lang="en-US" altLang="zh-CN" sz="1200" dirty="0" smtClean="0">
+              <a:t>战斗系统。</a:t>
+            </a:r>
+            <a:endParaRPr lang="zh-CN" altLang="en-US" sz="1200" dirty="0">
+              <a:latin typeface="微软雅黑" panose="020B0503020204020204" pitchFamily="34" charset="-122"/>
+              <a:ea typeface="微软雅黑" panose="020B0503020204020204" pitchFamily="34" charset="-122"/>
+            </a:endParaRPr>
+          </a:p>
+          <a:p>
+            <a:pPr marL="171450" indent="-171450">
+              <a:lnSpc>
+                <a:spcPct val="150000"/>
+              </a:lnSpc>
+              <a:buFont typeface="Arial" panose="020B0604020202020204" pitchFamily="34" charset="0"/>
+              <a:buChar char="•"/>
+            </a:pPr>
+            <a:r>
+              <a:rPr lang="zh-CN" altLang="en-US" sz="1200" dirty="0">
                 <a:latin typeface="微软雅黑" panose="020B0503020204020204" pitchFamily="34" charset="-122"/>
                 <a:ea typeface="微软雅黑" panose="020B0503020204020204" pitchFamily="34" charset="-122"/>
               </a:rPr>
-              <a:t>2</a:t>
+              <a:t>人物渲染（锦衣，彩饰等）</a:t>
             </a:r>
             <a:endParaRPr lang="en-US" altLang="zh-CN" sz="1200" dirty="0">
               <a:latin typeface="微软雅黑" panose="020B0503020204020204" pitchFamily="34" charset="-122"/>
@@ -8235,12 +8475,16 @@
         <p:nvSpPr>
           <p:cNvPr id="17" name="文本框 16"/>
           <p:cNvSpPr txBox="1"/>
-          <p:nvPr/>
+          <p:nvPr>
+            <p:custDataLst>
+              <p:tags r:id="rId8"/>
+            </p:custDataLst>
+          </p:nvPr>
         </p:nvSpPr>
         <p:spPr>
           <a:xfrm>
-            <a:off x="4020446" y="4216129"/>
-            <a:ext cx="1552755" cy="923330"/>
+            <a:off x="5320926" y="4193904"/>
+            <a:ext cx="1552755" cy="1198880"/>
           </a:xfrm>
           <a:prstGeom prst="rect">
             <a:avLst/>
@@ -8265,14 +8509,14 @@
                 <a:latin typeface="微软雅黑" panose="020B0503020204020204" pitchFamily="34" charset="-122"/>
                 <a:ea typeface="微软雅黑" panose="020B0503020204020204" pitchFamily="34" charset="-122"/>
               </a:rPr>
-              <a:t>方向</a:t>
-            </a:r>
-            <a:r>
-              <a:rPr lang="en-US" altLang="zh-CN" sz="1200" dirty="0" smtClean="0">
+              <a:t>性能</a:t>
+            </a:r>
+            <a:r>
+              <a:rPr lang="zh-CN" altLang="en-US" sz="1200" dirty="0" smtClean="0">
                 <a:latin typeface="微软雅黑" panose="020B0503020204020204" pitchFamily="34" charset="-122"/>
                 <a:ea typeface="微软雅黑" panose="020B0503020204020204" pitchFamily="34" charset="-122"/>
               </a:rPr>
-              <a:t>1</a:t>
+              <a:t>相关。</a:t>
             </a:r>
             <a:endParaRPr lang="en-US" altLang="zh-CN" sz="1200" dirty="0" smtClean="0">
               <a:latin typeface="微软雅黑" panose="020B0503020204020204" pitchFamily="34" charset="-122"/>
@@ -8288,18 +8532,11 @@
               <a:buChar char="•"/>
             </a:pPr>
             <a:r>
-              <a:rPr lang="zh-CN" altLang="en-US" sz="1200" dirty="0" smtClean="0">
+              <a:rPr lang="zh-CN" altLang="en-US" sz="1200" dirty="0">
                 <a:latin typeface="微软雅黑" panose="020B0503020204020204" pitchFamily="34" charset="-122"/>
                 <a:ea typeface="微软雅黑" panose="020B0503020204020204" pitchFamily="34" charset="-122"/>
               </a:rPr>
-              <a:t>方向</a:t>
-            </a:r>
-            <a:r>
-              <a:rPr lang="en-US" altLang="zh-CN" sz="1200" dirty="0" smtClean="0">
-                <a:latin typeface="微软雅黑" panose="020B0503020204020204" pitchFamily="34" charset="-122"/>
-                <a:ea typeface="微软雅黑" panose="020B0503020204020204" pitchFamily="34" charset="-122"/>
-              </a:rPr>
-              <a:t>2</a:t>
+              <a:t>修改旧代码的覆盖率，全面性。</a:t>
             </a:r>
             <a:endParaRPr lang="en-US" altLang="zh-CN" sz="1200" dirty="0">
               <a:latin typeface="微软雅黑" panose="020B0503020204020204" pitchFamily="34" charset="-122"/>
@@ -8325,12 +8562,16 @@
         <p:nvSpPr>
           <p:cNvPr id="18" name="文本框 17"/>
           <p:cNvSpPr txBox="1"/>
-          <p:nvPr/>
+          <p:nvPr>
+            <p:custDataLst>
+              <p:tags r:id="rId9"/>
+            </p:custDataLst>
+          </p:nvPr>
         </p:nvSpPr>
         <p:spPr>
           <a:xfrm>
-            <a:off x="6412699" y="4194116"/>
-            <a:ext cx="1552755" cy="923330"/>
+            <a:off x="9134944" y="4194116"/>
+            <a:ext cx="1552755" cy="922020"/>
           </a:xfrm>
           <a:prstGeom prst="rect">
             <a:avLst/>
@@ -8355,131 +8596,7 @@
                 <a:latin typeface="微软雅黑" panose="020B0503020204020204" pitchFamily="34" charset="-122"/>
                 <a:ea typeface="微软雅黑" panose="020B0503020204020204" pitchFamily="34" charset="-122"/>
               </a:rPr>
-              <a:t>方向</a:t>
-            </a:r>
-            <a:r>
-              <a:rPr lang="en-US" altLang="zh-CN" sz="1200" dirty="0" smtClean="0">
-                <a:latin typeface="微软雅黑" panose="020B0503020204020204" pitchFamily="34" charset="-122"/>
-                <a:ea typeface="微软雅黑" panose="020B0503020204020204" pitchFamily="34" charset="-122"/>
-              </a:rPr>
-              <a:t>1</a:t>
-            </a:r>
-            <a:endParaRPr lang="en-US" altLang="zh-CN" sz="1200" dirty="0" smtClean="0">
-              <a:latin typeface="微软雅黑" panose="020B0503020204020204" pitchFamily="34" charset="-122"/>
-              <a:ea typeface="微软雅黑" panose="020B0503020204020204" pitchFamily="34" charset="-122"/>
-            </a:endParaRPr>
-          </a:p>
-          <a:p>
-            <a:pPr marL="171450" indent="-171450">
-              <a:lnSpc>
-                <a:spcPct val="150000"/>
-              </a:lnSpc>
-              <a:buFont typeface="Arial" panose="020B0604020202020204" pitchFamily="34" charset="0"/>
-              <a:buChar char="•"/>
-            </a:pPr>
-            <a:r>
-              <a:rPr lang="zh-CN" altLang="en-US" sz="1200" dirty="0" smtClean="0">
-                <a:latin typeface="微软雅黑" panose="020B0503020204020204" pitchFamily="34" charset="-122"/>
-                <a:ea typeface="微软雅黑" panose="020B0503020204020204" pitchFamily="34" charset="-122"/>
-              </a:rPr>
-              <a:t>方向</a:t>
-            </a:r>
-            <a:r>
-              <a:rPr lang="en-US" altLang="zh-CN" sz="1200" dirty="0" smtClean="0">
-                <a:latin typeface="微软雅黑" panose="020B0503020204020204" pitchFamily="34" charset="-122"/>
-                <a:ea typeface="微软雅黑" panose="020B0503020204020204" pitchFamily="34" charset="-122"/>
-              </a:rPr>
-              <a:t>2</a:t>
-            </a:r>
-            <a:endParaRPr lang="en-US" altLang="zh-CN" sz="1200" dirty="0">
-              <a:latin typeface="微软雅黑" panose="020B0503020204020204" pitchFamily="34" charset="-122"/>
-              <a:ea typeface="微软雅黑" panose="020B0503020204020204" pitchFamily="34" charset="-122"/>
-            </a:endParaRPr>
-          </a:p>
-          <a:p>
-            <a:pPr marL="171450" indent="-171450">
-              <a:lnSpc>
-                <a:spcPct val="150000"/>
-              </a:lnSpc>
-              <a:buFont typeface="Arial" panose="020B0604020202020204" pitchFamily="34" charset="0"/>
-              <a:buChar char="•"/>
-            </a:pPr>
-            <a:endParaRPr lang="zh-CN" altLang="en-US" sz="1200" dirty="0">
-              <a:latin typeface="微软雅黑" panose="020B0503020204020204" pitchFamily="34" charset="-122"/>
-              <a:ea typeface="微软雅黑" panose="020B0503020204020204" pitchFamily="34" charset="-122"/>
-            </a:endParaRPr>
-          </a:p>
-        </p:txBody>
-      </p:sp>
-      <p:sp>
-        <p:nvSpPr>
-          <p:cNvPr id="19" name="文本框 18"/>
-          <p:cNvSpPr txBox="1"/>
-          <p:nvPr/>
-        </p:nvSpPr>
-        <p:spPr>
-          <a:xfrm>
-            <a:off x="8804952" y="4194116"/>
-            <a:ext cx="1552755" cy="923330"/>
-          </a:xfrm>
-          <a:prstGeom prst="rect">
-            <a:avLst/>
-          </a:prstGeom>
-          <a:noFill/>
-        </p:spPr>
-        <p:txBody>
-          <a:bodyPr wrap="square" rtlCol="0">
-            <a:spAutoFit/>
-          </a:bodyPr>
-          <a:lstStyle/>
-          <a:p>
-            <a:pPr marL="171450" indent="-171450">
-              <a:lnSpc>
-                <a:spcPct val="150000"/>
-              </a:lnSpc>
-              <a:buFont typeface="Arial" panose="020B0604020202020204" pitchFamily="34" charset="0"/>
-              <a:buChar char="•"/>
-            </a:pPr>
-            <a:r>
-              <a:rPr lang="zh-CN" altLang="en-US" sz="1200" dirty="0" smtClean="0">
-                <a:latin typeface="微软雅黑" panose="020B0503020204020204" pitchFamily="34" charset="-122"/>
-                <a:ea typeface="微软雅黑" panose="020B0503020204020204" pitchFamily="34" charset="-122"/>
-              </a:rPr>
-              <a:t>方向</a:t>
-            </a:r>
-            <a:r>
-              <a:rPr lang="en-US" altLang="zh-CN" sz="1200" dirty="0" smtClean="0">
-                <a:latin typeface="微软雅黑" panose="020B0503020204020204" pitchFamily="34" charset="-122"/>
-                <a:ea typeface="微软雅黑" panose="020B0503020204020204" pitchFamily="34" charset="-122"/>
-              </a:rPr>
-              <a:t>1</a:t>
-            </a:r>
-            <a:endParaRPr lang="en-US" altLang="zh-CN" sz="1200" dirty="0" smtClean="0">
-              <a:latin typeface="微软雅黑" panose="020B0503020204020204" pitchFamily="34" charset="-122"/>
-              <a:ea typeface="微软雅黑" panose="020B0503020204020204" pitchFamily="34" charset="-122"/>
-            </a:endParaRPr>
-          </a:p>
-          <a:p>
-            <a:pPr marL="171450" indent="-171450">
-              <a:lnSpc>
-                <a:spcPct val="150000"/>
-              </a:lnSpc>
-              <a:buFont typeface="Arial" panose="020B0604020202020204" pitchFamily="34" charset="0"/>
-              <a:buChar char="•"/>
-            </a:pPr>
-            <a:r>
-              <a:rPr lang="zh-CN" altLang="en-US" sz="1200" dirty="0" smtClean="0">
-                <a:latin typeface="微软雅黑" panose="020B0503020204020204" pitchFamily="34" charset="-122"/>
-                <a:ea typeface="微软雅黑" panose="020B0503020204020204" pitchFamily="34" charset="-122"/>
-              </a:rPr>
-              <a:t>方向</a:t>
-            </a:r>
-            <a:r>
-              <a:rPr lang="en-US" altLang="zh-CN" sz="1200" dirty="0" smtClean="0">
-                <a:latin typeface="微软雅黑" panose="020B0503020204020204" pitchFamily="34" charset="-122"/>
-                <a:ea typeface="微软雅黑" panose="020B0503020204020204" pitchFamily="34" charset="-122"/>
-              </a:rPr>
-              <a:t>2</a:t>
+              <a:t>游戏的打包，构建流程。</a:t>
             </a:r>
             <a:endParaRPr lang="en-US" altLang="zh-CN" sz="1200" dirty="0">
               <a:latin typeface="微软雅黑" panose="020B0503020204020204" pitchFamily="34" charset="-122"/>
@@ -8658,6 +8775,141 @@
           </a:prstGeom>
         </p:spPr>
       </p:pic>
+      <p:sp>
+        <p:nvSpPr>
+          <p:cNvPr id="3" name="文本框 2"/>
+          <p:cNvSpPr txBox="1"/>
+          <p:nvPr/>
+        </p:nvSpPr>
+        <p:spPr>
+          <a:xfrm>
+            <a:off x="774700" y="1652905"/>
+            <a:ext cx="10165080" cy="3611245"/>
+          </a:xfrm>
+          <a:prstGeom prst="rect">
+            <a:avLst/>
+          </a:prstGeom>
+          <a:noFill/>
+        </p:spPr>
+        <p:txBody>
+          <a:bodyPr wrap="square" rtlCol="0">
+            <a:noAutofit/>
+          </a:bodyPr>
+          <a:p>
+            <a:r>
+              <a:rPr lang="zh-CN" altLang="en-US"/>
+              <a:t>根据目前的工作而言，游戏开发可以概括为以下</a:t>
+            </a:r>
+            <a:r>
+              <a:rPr lang="zh-CN" altLang="en-US"/>
+              <a:t>几点：</a:t>
+            </a:r>
+            <a:endParaRPr lang="zh-CN" altLang="en-US"/>
+          </a:p>
+          <a:p>
+            <a:r>
+              <a:rPr lang="en-US" altLang="zh-CN"/>
+              <a:t>- </a:t>
+            </a:r>
+            <a:r>
+              <a:rPr lang="zh-CN" altLang="en-US"/>
+              <a:t>前端开发主要负责实现玩家的交互</a:t>
+            </a:r>
+            <a:r>
+              <a:rPr lang="zh-CN" altLang="en-US"/>
+              <a:t>体验。</a:t>
+            </a:r>
+            <a:endParaRPr lang="zh-CN" altLang="en-US"/>
+          </a:p>
+          <a:p>
+            <a:r>
+              <a:rPr lang="en-US" altLang="zh-CN"/>
+              <a:t>- </a:t>
+            </a:r>
+            <a:r>
+              <a:rPr lang="zh-CN" altLang="en-US"/>
+              <a:t>完成策划的需求，根据文档和</a:t>
+            </a:r>
+            <a:r>
+              <a:rPr lang="en-US" altLang="zh-CN"/>
+              <a:t>UX</a:t>
+            </a:r>
+            <a:r>
+              <a:rPr lang="zh-CN" altLang="en-US"/>
+              <a:t>设计稿设计一套开发的</a:t>
+            </a:r>
+            <a:r>
+              <a:rPr lang="zh-CN" altLang="en-US"/>
+              <a:t>方案。</a:t>
+            </a:r>
+            <a:endParaRPr lang="zh-CN" altLang="en-US"/>
+          </a:p>
+          <a:p>
+            <a:r>
+              <a:rPr lang="en-US" altLang="zh-CN"/>
+              <a:t>- </a:t>
+            </a:r>
+            <a:r>
+              <a:rPr lang="zh-CN" altLang="en-US"/>
+              <a:t>实现</a:t>
+            </a:r>
+            <a:r>
+              <a:rPr lang="zh-CN" altLang="en-US"/>
+              <a:t>方案过程中要考虑到性能，可维护性，健壮</a:t>
+            </a:r>
+            <a:r>
+              <a:rPr lang="zh-CN" altLang="en-US"/>
+              <a:t>性。</a:t>
+            </a:r>
+            <a:endParaRPr lang="zh-CN" altLang="en-US"/>
+          </a:p>
+          <a:p>
+            <a:r>
+              <a:rPr lang="en-US" altLang="zh-CN">
+                <a:sym typeface="+mn-ea"/>
+              </a:rPr>
+              <a:t>- </a:t>
+            </a:r>
+            <a:r>
+              <a:rPr lang="zh-CN" altLang="en-US">
+                <a:sym typeface="+mn-ea"/>
+              </a:rPr>
+              <a:t>实现方案过程中要考虑到不同平台，不同分辨率，不同设备的适配。</a:t>
+            </a:r>
+            <a:endParaRPr lang="zh-CN" altLang="en-US"/>
+          </a:p>
+          <a:p>
+            <a:r>
+              <a:rPr lang="en-US" altLang="zh-CN"/>
+              <a:t>- </a:t>
+            </a:r>
+            <a:r>
+              <a:rPr lang="zh-CN" altLang="en-US"/>
+              <a:t>与后端要进行紧密的配合，确保协议能够正确的在双端</a:t>
+            </a:r>
+            <a:r>
+              <a:rPr lang="zh-CN" altLang="en-US"/>
+              <a:t>运行。</a:t>
+            </a:r>
+            <a:endParaRPr lang="zh-CN" altLang="en-US"/>
+          </a:p>
+          <a:p>
+            <a:r>
+              <a:rPr lang="en-US" altLang="zh-CN"/>
+              <a:t>- </a:t>
+            </a:r>
+            <a:r>
+              <a:rPr lang="zh-CN" altLang="en-US"/>
+              <a:t>当游戏的逻辑出现问题时，能够快速的定位问题，准确的修复</a:t>
+            </a:r>
+            <a:r>
+              <a:rPr lang="zh-CN" altLang="en-US"/>
+              <a:t>问题。</a:t>
+            </a:r>
+            <a:endParaRPr lang="zh-CN" altLang="en-US"/>
+          </a:p>
+        </p:txBody>
+      </p:sp>
     </p:spTree>
   </p:cSld>
   <p:clrMapOvr>
@@ -8824,7 +9076,7 @@
         <p:spPr>
           <a:xfrm>
             <a:off x="441379" y="2428481"/>
-            <a:ext cx="9809871" cy="3785652"/>
+            <a:ext cx="9809871" cy="3169285"/>
           </a:xfrm>
           <a:prstGeom prst="rect">
             <a:avLst/>
@@ -8841,18 +9093,11 @@
               <a:buNone/>
             </a:pPr>
             <a:r>
-              <a:rPr lang="zh-CN" altLang="en-US" sz="2000" b="1" dirty="0" smtClean="0">
+              <a:rPr lang="zh-CN" altLang="en-US" sz="2000" b="1" dirty="0">
                 <a:latin typeface="+mj-ea"/>
                 <a:ea typeface="+mj-ea"/>
               </a:rPr>
-              <a:t>类别</a:t>
-            </a:r>
-            <a:r>
-              <a:rPr lang="en-US" altLang="zh-CN" sz="2000" b="1" dirty="0" smtClean="0">
-                <a:latin typeface="+mj-ea"/>
-                <a:ea typeface="+mj-ea"/>
-              </a:rPr>
-              <a:t>1</a:t>
+              <a:t>游戏开发</a:t>
             </a:r>
             <a:endParaRPr lang="en-US" altLang="zh-CN" sz="2000" b="1" dirty="0">
               <a:latin typeface="+mj-ea"/>
@@ -8869,88 +9114,56 @@
             </a:endParaRPr>
           </a:p>
           <a:p>
-            <a:pPr marL="457200" indent="-457200">
-              <a:buFont typeface="+mj-lt"/>
-              <a:buAutoNum type="arabicPeriod"/>
+            <a:pPr indent="0">
+              <a:buNone/>
             </a:pPr>
+            <a:r>
+              <a:rPr lang="en-US" sz="2000" dirty="0">
+                <a:latin typeface="+mj-ea"/>
+                <a:ea typeface="+mj-ea"/>
+              </a:rPr>
+              <a:t>1. </a:t>
+            </a:r>
             <a:r>
               <a:rPr lang="zh-CN" altLang="en-US" sz="2000" dirty="0">
                 <a:latin typeface="+mj-ea"/>
                 <a:ea typeface="+mj-ea"/>
               </a:rPr>
-              <a:t>细</a:t>
-            </a:r>
-            <a:r>
-              <a:rPr lang="zh-CN" altLang="en-US" sz="2000" dirty="0" smtClean="0">
+              <a:t>深入了解游戏内的各个子系统，提高开发</a:t>
+            </a:r>
+            <a:r>
+              <a:rPr lang="zh-CN" altLang="en-US" sz="2000" dirty="0">
                 <a:latin typeface="+mj-ea"/>
                 <a:ea typeface="+mj-ea"/>
               </a:rPr>
-              <a:t>项</a:t>
-            </a:r>
-            <a:r>
-              <a:rPr lang="en-US" altLang="zh-CN" sz="2000" dirty="0" smtClean="0">
+              <a:t>效率。</a:t>
+            </a:r>
+            <a:endParaRPr lang="zh-CN" altLang="en-US" sz="2000" dirty="0">
+              <a:latin typeface="+mj-ea"/>
+              <a:ea typeface="+mj-ea"/>
+            </a:endParaRPr>
+          </a:p>
+          <a:p>
+            <a:pPr indent="0">
+              <a:buNone/>
+            </a:pPr>
+            <a:r>
+              <a:rPr lang="en-US" altLang="zh-CN" sz="2000" dirty="0">
                 <a:latin typeface="+mj-ea"/>
                 <a:ea typeface="+mj-ea"/>
               </a:rPr>
-              <a:t>1</a:t>
-            </a:r>
-            <a:endParaRPr lang="en-US" altLang="zh-CN" sz="2000" dirty="0" smtClean="0">
+              <a:t>2. </a:t>
+            </a:r>
+            <a:r>
+              <a:rPr lang="zh-CN" altLang="en-US" sz="2000" dirty="0">
+                <a:latin typeface="+mj-ea"/>
+                <a:ea typeface="+mj-ea"/>
+              </a:rPr>
+              <a:t>封装游戏内的一些通用功能，方便后续迭代。</a:t>
+            </a:r>
+            <a:endParaRPr lang="en-US" sz="2000" dirty="0">
               <a:latin typeface="+mj-ea"/>
               <a:ea typeface="+mj-ea"/>
-            </a:endParaRPr>
-          </a:p>
-          <a:p>
-            <a:pPr marL="457200" indent="-457200">
-              <a:buFont typeface="+mj-lt"/>
-              <a:buAutoNum type="arabicPeriod"/>
-            </a:pPr>
-            <a:r>
-              <a:rPr lang="zh-CN" altLang="en-US" sz="2000" dirty="0">
-                <a:latin typeface="+mj-ea"/>
-              </a:rPr>
-              <a:t>细</a:t>
-            </a:r>
-            <a:r>
-              <a:rPr lang="zh-CN" altLang="en-US" sz="2000" dirty="0" smtClean="0">
-                <a:latin typeface="+mj-ea"/>
-              </a:rPr>
-              <a:t>项</a:t>
-            </a:r>
-            <a:r>
-              <a:rPr lang="en-US" altLang="zh-CN" sz="2000" dirty="0" smtClean="0">
-                <a:latin typeface="+mj-ea"/>
-              </a:rPr>
-              <a:t>2</a:t>
-            </a:r>
-            <a:endParaRPr lang="en-US" altLang="zh-CN" sz="2000" dirty="0" smtClean="0">
-              <a:latin typeface="+mj-ea"/>
-            </a:endParaRPr>
-          </a:p>
-          <a:p>
-            <a:pPr marL="457200" indent="-457200">
-              <a:buFont typeface="+mj-lt"/>
-              <a:buAutoNum type="arabicPeriod"/>
-            </a:pPr>
-            <a:r>
-              <a:rPr lang="zh-CN" altLang="en-US" sz="2000" dirty="0">
-                <a:latin typeface="+mj-ea"/>
-              </a:rPr>
-              <a:t>细</a:t>
-            </a:r>
-            <a:r>
-              <a:rPr lang="zh-CN" altLang="en-US" sz="2000" dirty="0" smtClean="0">
-                <a:latin typeface="+mj-ea"/>
-              </a:rPr>
-              <a:t>项</a:t>
-            </a:r>
-            <a:r>
-              <a:rPr lang="en-US" altLang="zh-CN" sz="2000" dirty="0" smtClean="0">
-                <a:latin typeface="+mj-ea"/>
-              </a:rPr>
-              <a:t>3</a:t>
-            </a:r>
-            <a:endParaRPr lang="en-US" altLang="zh-CN" sz="2000" dirty="0" smtClean="0">
-              <a:latin typeface="+mj-ea"/>
             </a:endParaRPr>
           </a:p>
           <a:p>
@@ -8969,16 +9182,10 @@
               <a:buNone/>
             </a:pPr>
             <a:r>
-              <a:rPr lang="zh-CN" altLang="en-US" sz="2000" b="1" dirty="0" smtClean="0">
+              <a:rPr lang="zh-CN" altLang="en-US" sz="2000" b="1" dirty="0">
                 <a:latin typeface="+mj-ea"/>
               </a:rPr>
-              <a:t>类别</a:t>
-            </a:r>
-            <a:r>
-              <a:rPr lang="en-US" altLang="zh-CN" sz="2000" b="1" dirty="0">
-                <a:latin typeface="+mj-ea"/>
-              </a:rPr>
-              <a:t>2</a:t>
+              <a:t>任务管理</a:t>
             </a:r>
             <a:endParaRPr lang="en-US" altLang="zh-CN" sz="2000" b="1" dirty="0">
               <a:latin typeface="+mj-ea"/>
@@ -8993,66 +9200,59 @@
             </a:endParaRPr>
           </a:p>
           <a:p>
-            <a:pPr marL="457200" indent="-457200">
-              <a:buFont typeface="+mj-lt"/>
-              <a:buAutoNum type="arabicPeriod"/>
+            <a:pPr indent="0">
+              <a:buNone/>
             </a:pPr>
+            <a:r>
+              <a:rPr lang="en-US" altLang="zh-CN" sz="2000" dirty="0">
+                <a:latin typeface="+mj-ea"/>
+              </a:rPr>
+              <a:t>1. </a:t>
+            </a:r>
             <a:r>
               <a:rPr lang="zh-CN" altLang="en-US" sz="2000" dirty="0">
                 <a:latin typeface="+mj-ea"/>
-              </a:rPr>
-              <a:t>细项</a:t>
-            </a:r>
+                <a:ea typeface="+mj-ea"/>
+                <a:sym typeface="+mn-ea"/>
+              </a:rPr>
+              <a:t>方案的设计。</a:t>
+            </a:r>
+            <a:endParaRPr lang="en-US" altLang="zh-CN" sz="2000" dirty="0">
+              <a:latin typeface="+mj-ea"/>
+            </a:endParaRPr>
+          </a:p>
+          <a:p>
+            <a:pPr indent="0">
+              <a:buFont typeface="+mj-lt"/>
+              <a:buNone/>
+            </a:pPr>
             <a:r>
               <a:rPr lang="en-US" altLang="zh-CN" sz="2000" dirty="0">
                 <a:latin typeface="+mj-ea"/>
-              </a:rPr>
-              <a:t>1</a:t>
-            </a:r>
-            <a:endParaRPr lang="en-US" altLang="zh-CN" sz="2000" dirty="0">
-              <a:latin typeface="+mj-ea"/>
-            </a:endParaRPr>
-          </a:p>
-          <a:p>
-            <a:pPr marL="457200" indent="-457200">
-              <a:buFont typeface="+mj-lt"/>
-              <a:buAutoNum type="arabicPeriod"/>
-            </a:pPr>
+                <a:ea typeface="+mj-ea"/>
+                <a:sym typeface="+mn-ea"/>
+              </a:rPr>
+              <a:t>2. </a:t>
+            </a:r>
             <a:r>
               <a:rPr lang="zh-CN" altLang="en-US" sz="2000" dirty="0">
                 <a:latin typeface="+mj-ea"/>
-              </a:rPr>
-              <a:t>细项</a:t>
-            </a:r>
-            <a:r>
-              <a:rPr lang="en-US" altLang="zh-CN" sz="2000" dirty="0">
-                <a:latin typeface="+mj-ea"/>
-              </a:rPr>
-              <a:t>2</a:t>
-            </a:r>
-            <a:endParaRPr lang="en-US" altLang="zh-CN" sz="2000" dirty="0">
-              <a:latin typeface="+mj-ea"/>
-            </a:endParaRPr>
-          </a:p>
-          <a:p>
-            <a:pPr marL="457200" indent="-457200">
-              <a:buFont typeface="+mj-lt"/>
-              <a:buAutoNum type="arabicPeriod"/>
-            </a:pPr>
+                <a:ea typeface="+mj-ea"/>
+                <a:sym typeface="+mn-ea"/>
+              </a:rPr>
+              <a:t>任务的</a:t>
+            </a:r>
             <a:r>
               <a:rPr lang="zh-CN" altLang="en-US" sz="2000" dirty="0">
                 <a:latin typeface="+mj-ea"/>
-              </a:rPr>
-              <a:t>细项</a:t>
-            </a:r>
-            <a:r>
-              <a:rPr lang="en-US" altLang="zh-CN" sz="2000" dirty="0">
-                <a:latin typeface="+mj-ea"/>
-              </a:rPr>
-              <a:t>3</a:t>
+                <a:ea typeface="+mj-ea"/>
+                <a:sym typeface="+mn-ea"/>
+              </a:rPr>
+              <a:t>划分。</a:t>
             </a:r>
             <a:endParaRPr lang="zh-CN" altLang="en-US" sz="2000" dirty="0">
               <a:latin typeface="+mj-ea"/>
+              <a:ea typeface="+mj-ea"/>
               <a:sym typeface="+mn-ea"/>
             </a:endParaRPr>
           </a:p>
@@ -9078,7 +9278,7 @@
         <p:spPr>
           <a:xfrm>
             <a:off x="441379" y="1664552"/>
-            <a:ext cx="9809871" cy="400110"/>
+            <a:ext cx="9809871" cy="398780"/>
           </a:xfrm>
           <a:prstGeom prst="rect">
             <a:avLst/>
@@ -9099,9 +9299,30 @@
                 <a:latin typeface="+mj-ea"/>
                 <a:ea typeface="+mj-ea"/>
               </a:rPr>
-              <a:t>发展总目标：</a:t>
-            </a:r>
-            <a:endParaRPr lang="en-US" altLang="zh-CN" sz="2000" b="1" dirty="0">
+              <a:t>发展总目标：高效，高质量的完成</a:t>
+            </a:r>
+            <a:r>
+              <a:rPr lang="zh-CN" altLang="en-US" sz="2000" b="1" dirty="0" smtClean="0">
+                <a:latin typeface="+mj-ea"/>
+                <a:ea typeface="+mj-ea"/>
+              </a:rPr>
+              <a:t>任务，成为一个</a:t>
+            </a:r>
+            <a:r>
+              <a:rPr lang="zh-CN" altLang="en-US" sz="2000" b="1" dirty="0" smtClean="0">
+                <a:latin typeface="+mj-ea"/>
+                <a:ea typeface="+mj-ea"/>
+              </a:rPr>
+              <a:t>能独当一面的</a:t>
+            </a:r>
+            <a:r>
+              <a:rPr lang="zh-CN" altLang="en-US" sz="2000" b="1" dirty="0" smtClean="0">
+                <a:latin typeface="+mj-ea"/>
+                <a:ea typeface="+mj-ea"/>
+              </a:rPr>
+              <a:t>游戏开发人员。</a:t>
+            </a:r>
+            <a:endParaRPr lang="zh-CN" altLang="en-US" sz="2000" b="1" dirty="0" smtClean="0">
               <a:latin typeface="+mj-ea"/>
               <a:ea typeface="+mj-ea"/>
             </a:endParaRPr>
@@ -9143,7 +9364,49 @@
 
 <file path=ppt/tags/tag12.xml><?xml version="1.0" encoding="utf-8"?>
 <p:tagLst xmlns:p="http://schemas.openxmlformats.org/presentationml/2006/main">
-  <p:tag name="commondata" val="eyJoZGlkIjoiMGVlZDQwNzU3YmRhYzQ2YWNhNWQ3NDc5Y2YwNDgzNWQifQ=="/>
+  <p:tag name="KSO_WM_DIAGRAM_VIRTUALLY_FRAME" val="{&quot;height&quot;:322.81070866141715,&quot;left&quot;:138.25708661417323,&quot;top&quot;:153.24574803149605,&quot;width&quot;:323.32354330708665}"/>
+</p:tagLst>
+</file>
+
+<file path=ppt/tags/tag13.xml><?xml version="1.0" encoding="utf-8"?>
+<p:tagLst xmlns:p="http://schemas.openxmlformats.org/presentationml/2006/main">
+  <p:tag name="KSO_WM_DIAGRAM_VIRTUALLY_FRAME" val="{&quot;height&quot;:322.81070866141715,&quot;left&quot;:138.25708661417323,&quot;top&quot;:153.24574803149605,&quot;width&quot;:323.32354330708665}"/>
+</p:tagLst>
+</file>
+
+<file path=ppt/tags/tag14.xml><?xml version="1.0" encoding="utf-8"?>
+<p:tagLst xmlns:p="http://schemas.openxmlformats.org/presentationml/2006/main">
+  <p:tag name="KSO_WM_DIAGRAM_VIRTUALLY_FRAME" val="{&quot;height&quot;:322.81070866141715,&quot;left&quot;:138.25708661417323,&quot;top&quot;:153.24574803149605,&quot;width&quot;:323.32354330708665}"/>
+</p:tagLst>
+</file>
+
+<file path=ppt/tags/tag15.xml><?xml version="1.0" encoding="utf-8"?>
+<p:tagLst xmlns:p="http://schemas.openxmlformats.org/presentationml/2006/main">
+  <p:tag name="KSO_WM_DIAGRAM_VIRTUALLY_FRAME" val="{&quot;height&quot;:322.81070866141715,&quot;left&quot;:138.25708661417323,&quot;top&quot;:153.24574803149605,&quot;width&quot;:323.32354330708665}"/>
+</p:tagLst>
+</file>
+
+<file path=ppt/tags/tag16.xml><?xml version="1.0" encoding="utf-8"?>
+<p:tagLst xmlns:p="http://schemas.openxmlformats.org/presentationml/2006/main">
+  <p:tag name="KSO_WM_DIAGRAM_VIRTUALLY_FRAME" val="{&quot;height&quot;:322.81070866141715,&quot;left&quot;:138.25708661417323,&quot;top&quot;:153.24574803149605,&quot;width&quot;:323.32354330708665}"/>
+</p:tagLst>
+</file>
+
+<file path=ppt/tags/tag17.xml><?xml version="1.0" encoding="utf-8"?>
+<p:tagLst xmlns:p="http://schemas.openxmlformats.org/presentationml/2006/main">
+  <p:tag name="KSO_WM_DIAGRAM_VIRTUALLY_FRAME" val="{&quot;height&quot;:322.81070866141715,&quot;left&quot;:138.25708661417323,&quot;top&quot;:153.24574803149605,&quot;width&quot;:323.32354330708665}"/>
+</p:tagLst>
+</file>
+
+<file path=ppt/tags/tag18.xml><?xml version="1.0" encoding="utf-8"?>
+<p:tagLst xmlns:p="http://schemas.openxmlformats.org/presentationml/2006/main">
+  <p:tag name="KSO_WM_DIAGRAM_VIRTUALLY_FRAME" val="{&quot;height&quot;:322.81070866141715,&quot;left&quot;:138.25708661417323,&quot;top&quot;:153.24574803149605,&quot;width&quot;:323.32354330708665}"/>
+</p:tagLst>
+</file>
+
+<file path=ppt/tags/tag19.xml><?xml version="1.0" encoding="utf-8"?>
+<p:tagLst xmlns:p="http://schemas.openxmlformats.org/presentationml/2006/main">
+  <p:tag name="KSO_WM_DIAGRAM_VIRTUALLY_FRAME" val="{&quot;height&quot;:322.81070866141715,&quot;left&quot;:138.25708661417323,&quot;top&quot;:153.24574803149605,&quot;width&quot;:323.32354330708665}"/>
 </p:tagLst>
 </file>
 
@@ -9153,15 +9416,153 @@
 </p:tagLst>
 </file>
 
+<file path=ppt/tags/tag20.xml><?xml version="1.0" encoding="utf-8"?>
+<p:tagLst xmlns:p="http://schemas.openxmlformats.org/presentationml/2006/main">
+  <p:tag name="KSO_WM_DIAGRAM_VIRTUALLY_FRAME" val="{&quot;height&quot;:322.81070866141715,&quot;left&quot;:138.25708661417323,&quot;top&quot;:153.24574803149605,&quot;width&quot;:323.32354330708665}"/>
+</p:tagLst>
+</file>
+
+<file path=ppt/tags/tag21.xml><?xml version="1.0" encoding="utf-8"?>
+<p:tagLst xmlns:p="http://schemas.openxmlformats.org/presentationml/2006/main">
+  <p:tag name="KSO_WM_DIAGRAM_VIRTUALLY_FRAME" val="{&quot;height&quot;:322.81070866141715,&quot;left&quot;:138.25708661417323,&quot;top&quot;:153.24574803149605,&quot;width&quot;:323.32354330708665}"/>
+</p:tagLst>
+</file>
+
+<file path=ppt/tags/tag22.xml><?xml version="1.0" encoding="utf-8"?>
+<p:tagLst xmlns:p="http://schemas.openxmlformats.org/presentationml/2006/main">
+  <p:tag name="KSO_WM_DIAGRAM_VIRTUALLY_FRAME" val="{&quot;height&quot;:322.81070866141715,&quot;left&quot;:138.25708661417323,&quot;top&quot;:153.24574803149605,&quot;width&quot;:323.32354330708665}"/>
+</p:tagLst>
+</file>
+
+<file path=ppt/tags/tag23.xml><?xml version="1.0" encoding="utf-8"?>
+<p:tagLst xmlns:p="http://schemas.openxmlformats.org/presentationml/2006/main">
+  <p:tag name="KSO_WM_DIAGRAM_VIRTUALLY_FRAME" val="{&quot;height&quot;:322.81070866141715,&quot;left&quot;:138.25708661417323,&quot;top&quot;:153.24574803149605,&quot;width&quot;:323.32354330708665}"/>
+</p:tagLst>
+</file>
+
+<file path=ppt/tags/tag24.xml><?xml version="1.0" encoding="utf-8"?>
+<p:tagLst xmlns:p="http://schemas.openxmlformats.org/presentationml/2006/main">
+  <p:tag name="KSO_WM_DIAGRAM_VIRTUALLY_FRAME" val="{&quot;height&quot;:322.81070866141715,&quot;left&quot;:138.25708661417323,&quot;top&quot;:153.24574803149605,&quot;width&quot;:323.32354330708665}"/>
+</p:tagLst>
+</file>
+
+<file path=ppt/tags/tag25.xml><?xml version="1.0" encoding="utf-8"?>
+<p:tagLst xmlns:p="http://schemas.openxmlformats.org/presentationml/2006/main">
+  <p:tag name="KSO_WM_DIAGRAM_VIRTUALLY_FRAME" val="{&quot;height&quot;:322.81070866141715,&quot;left&quot;:138.25708661417323,&quot;top&quot;:153.24574803149605,&quot;width&quot;:323.32354330708665}"/>
+</p:tagLst>
+</file>
+
+<file path=ppt/tags/tag26.xml><?xml version="1.0" encoding="utf-8"?>
+<p:tagLst xmlns:p="http://schemas.openxmlformats.org/presentationml/2006/main">
+  <p:tag name="KSO_WM_DIAGRAM_VIRTUALLY_FRAME" val="{&quot;height&quot;:322.81070866141715,&quot;left&quot;:138.25708661417323,&quot;top&quot;:153.24574803149605,&quot;width&quot;:323.32354330708665}"/>
+</p:tagLst>
+</file>
+
+<file path=ppt/tags/tag27.xml><?xml version="1.0" encoding="utf-8"?>
+<p:tagLst xmlns:p="http://schemas.openxmlformats.org/presentationml/2006/main">
+  <p:tag name="KSO_WM_DIAGRAM_VIRTUALLY_FRAME" val="{&quot;height&quot;:322.81070866141715,&quot;left&quot;:138.25708661417323,&quot;top&quot;:153.24574803149605,&quot;width&quot;:323.32354330708665}"/>
+</p:tagLst>
+</file>
+
+<file path=ppt/tags/tag28.xml><?xml version="1.0" encoding="utf-8"?>
+<p:tagLst xmlns:p="http://schemas.openxmlformats.org/presentationml/2006/main">
+  <p:tag name="KSO_WM_DIAGRAM_VIRTUALLY_FRAME" val="{&quot;height&quot;:322.81070866141715,&quot;left&quot;:138.25708661417323,&quot;top&quot;:153.24574803149605,&quot;width&quot;:323.32354330708665}"/>
+</p:tagLst>
+</file>
+
+<file path=ppt/tags/tag29.xml><?xml version="1.0" encoding="utf-8"?>
+<p:tagLst xmlns:p="http://schemas.openxmlformats.org/presentationml/2006/main">
+  <p:tag name="KSO_WM_DIAGRAM_VIRTUALLY_FRAME" val="{&quot;height&quot;:322.81070866141715,&quot;left&quot;:138.25708661417323,&quot;top&quot;:153.24574803149605,&quot;width&quot;:323.32354330708665}"/>
+</p:tagLst>
+</file>
+
 <file path=ppt/tags/tag3.xml><?xml version="1.0" encoding="utf-8"?>
 <p:tagLst xmlns:p="http://schemas.openxmlformats.org/presentationml/2006/main">
   <p:tag name="KSO_WM_DIAGRAM_VIRTUALLY_FRAME" val="{&quot;height&quot;:463.9979527559055,&quot;left&quot;:441.8953543307087,&quot;top&quot;:44.0020472440945,&quot;width&quot;:391.02433070866135}"/>
 </p:tagLst>
 </file>
 
+<file path=ppt/tags/tag30.xml><?xml version="1.0" encoding="utf-8"?>
+<p:tagLst xmlns:p="http://schemas.openxmlformats.org/presentationml/2006/main">
+  <p:tag name="KSO_WM_DIAGRAM_VIRTUALLY_FRAME" val="{&quot;height&quot;:322.81070866141715,&quot;left&quot;:138.25708661417323,&quot;top&quot;:153.24574803149605,&quot;width&quot;:323.32354330708665}"/>
+</p:tagLst>
+</file>
+
+<file path=ppt/tags/tag31.xml><?xml version="1.0" encoding="utf-8"?>
+<p:tagLst xmlns:p="http://schemas.openxmlformats.org/presentationml/2006/main">
+  <p:tag name="KSO_WM_DIAGRAM_VIRTUALLY_FRAME" val="{&quot;height&quot;:322.81070866141715,&quot;left&quot;:138.25708661417323,&quot;top&quot;:153.24574803149605,&quot;width&quot;:323.32354330708665}"/>
+</p:tagLst>
+</file>
+
+<file path=ppt/tags/tag32.xml><?xml version="1.0" encoding="utf-8"?>
+<p:tagLst xmlns:p="http://schemas.openxmlformats.org/presentationml/2006/main">
+  <p:tag name="KSO_WM_DIAGRAM_VIRTUALLY_FRAME" val="{&quot;height&quot;:322.81070866141715,&quot;left&quot;:138.25708661417323,&quot;top&quot;:153.24574803149605,&quot;width&quot;:323.32354330708665}"/>
+</p:tagLst>
+</file>
+
+<file path=ppt/tags/tag33.xml><?xml version="1.0" encoding="utf-8"?>
+<p:tagLst xmlns:p="http://schemas.openxmlformats.org/presentationml/2006/main">
+  <p:tag name="KSO_WM_DIAGRAM_VIRTUALLY_FRAME" val="{&quot;height&quot;:322.81070866141715,&quot;left&quot;:138.25708661417323,&quot;top&quot;:153.24574803149605,&quot;width&quot;:323.32354330708665}"/>
+</p:tagLst>
+</file>
+
+<file path=ppt/tags/tag34.xml><?xml version="1.0" encoding="utf-8"?>
+<p:tagLst xmlns:p="http://schemas.openxmlformats.org/presentationml/2006/main">
+  <p:tag name="KSO_WM_DIAGRAM_VIRTUALLY_FRAME" val="{&quot;height&quot;:322.81070866141715,&quot;left&quot;:138.25708661417323,&quot;top&quot;:153.24574803149605,&quot;width&quot;:323.32354330708665}"/>
+</p:tagLst>
+</file>
+
+<file path=ppt/tags/tag35.xml><?xml version="1.0" encoding="utf-8"?>
+<p:tagLst xmlns:p="http://schemas.openxmlformats.org/presentationml/2006/main">
+  <p:tag name="KSO_WM_DIAGRAM_VIRTUALLY_FRAME" val="{&quot;height&quot;:284.05433070866144,&quot;left&quot;:0,&quot;top&quot;:164.19566929133856,&quot;width&quot;:960}"/>
+</p:tagLst>
+</file>
+
+<file path=ppt/tags/tag36.xml><?xml version="1.0" encoding="utf-8"?>
+<p:tagLst xmlns:p="http://schemas.openxmlformats.org/presentationml/2006/main">
+  <p:tag name="KSO_WM_DIAGRAM_VIRTUALLY_FRAME" val="{&quot;height&quot;:284.05433070866144,&quot;left&quot;:0,&quot;top&quot;:164.19566929133856,&quot;width&quot;:960}"/>
+</p:tagLst>
+</file>
+
+<file path=ppt/tags/tag37.xml><?xml version="1.0" encoding="utf-8"?>
+<p:tagLst xmlns:p="http://schemas.openxmlformats.org/presentationml/2006/main">
+  <p:tag name="KSO_WM_DIAGRAM_VIRTUALLY_FRAME" val="{&quot;height&quot;:284.05433070866144,&quot;left&quot;:0,&quot;top&quot;:164.19566929133856,&quot;width&quot;:960}"/>
+</p:tagLst>
+</file>
+
+<file path=ppt/tags/tag38.xml><?xml version="1.0" encoding="utf-8"?>
+<p:tagLst xmlns:p="http://schemas.openxmlformats.org/presentationml/2006/main">
+  <p:tag name="KSO_WM_DIAGRAM_VIRTUALLY_FRAME" val="{&quot;height&quot;:284.05433070866144,&quot;left&quot;:0,&quot;top&quot;:164.19566929133856,&quot;width&quot;:960}"/>
+</p:tagLst>
+</file>
+
+<file path=ppt/tags/tag39.xml><?xml version="1.0" encoding="utf-8"?>
+<p:tagLst xmlns:p="http://schemas.openxmlformats.org/presentationml/2006/main">
+  <p:tag name="KSO_WM_DIAGRAM_VIRTUALLY_FRAME" val="{&quot;height&quot;:284.05433070866144,&quot;left&quot;:0,&quot;top&quot;:164.19566929133856,&quot;width&quot;:960}"/>
+</p:tagLst>
+</file>
+
 <file path=ppt/tags/tag4.xml><?xml version="1.0" encoding="utf-8"?>
 <p:tagLst xmlns:p="http://schemas.openxmlformats.org/presentationml/2006/main">
   <p:tag name="KSO_WM_DIAGRAM_VIRTUALLY_FRAME" val="{&quot;height&quot;:463.9979527559055,&quot;left&quot;:441.8953543307087,&quot;top&quot;:44.0020472440945,&quot;width&quot;:391.02433070866135}"/>
+</p:tagLst>
+</file>
+
+<file path=ppt/tags/tag40.xml><?xml version="1.0" encoding="utf-8"?>
+<p:tagLst xmlns:p="http://schemas.openxmlformats.org/presentationml/2006/main">
+  <p:tag name="KSO_WM_DIAGRAM_VIRTUALLY_FRAME" val="{&quot;height&quot;:284.05433070866144,&quot;left&quot;:0,&quot;top&quot;:164.19566929133856,&quot;width&quot;:960}"/>
+</p:tagLst>
+</file>
+
+<file path=ppt/tags/tag41.xml><?xml version="1.0" encoding="utf-8"?>
+<p:tagLst xmlns:p="http://schemas.openxmlformats.org/presentationml/2006/main">
+  <p:tag name="KSO_WM_DIAGRAM_VIRTUALLY_FRAME" val="{&quot;height&quot;:284.05433070866144,&quot;left&quot;:0,&quot;top&quot;:164.19566929133856,&quot;width&quot;:960}"/>
+</p:tagLst>
+</file>
+
+<file path=ppt/tags/tag42.xml><?xml version="1.0" encoding="utf-8"?>
+<p:tagLst xmlns:p="http://schemas.openxmlformats.org/presentationml/2006/main">
+  <p:tag name="commondata" val="eyJoZGlkIjoiMGVlZDQwNzU3YmRhYzQ2YWNhNWQ3NDc5Y2YwNDgzNWQifQ=="/>
 </p:tagLst>
 </file>
 
